--- a/СПЛ.pptx
+++ b/СПЛ.pptx
@@ -5,7 +5,7 @@
     <p:sldMasterId id="2147483780" r:id="rId1"/>
   </p:sldMasterIdLst>
   <p:notesMasterIdLst>
-    <p:notesMasterId r:id="rId12"/>
+    <p:notesMasterId r:id="rId13"/>
   </p:notesMasterIdLst>
   <p:sldIdLst>
     <p:sldId id="274" r:id="rId2"/>
@@ -18,6 +18,7 @@
     <p:sldId id="279" r:id="rId9"/>
     <p:sldId id="282" r:id="rId10"/>
     <p:sldId id="283" r:id="rId11"/>
+    <p:sldId id="284" r:id="rId12"/>
   </p:sldIdLst>
   <p:sldSz cx="9144000" cy="6858000" type="screen4x3"/>
   <p:notesSz cx="6858000" cy="9144000"/>
@@ -15333,7 +15334,7 @@
         <p:spPr>
           <a:xfrm>
             <a:off x="15346" y="2879935"/>
-            <a:ext cx="4572000" cy="3031599"/>
+            <a:ext cx="4572000" cy="3308598"/>
           </a:xfrm>
           <a:prstGeom prst="rect">
             <a:avLst/>
@@ -15403,7 +15404,7 @@
               <a:defRPr sz="1800"/>
             </a:pPr>
             <a:r>
-              <a:rPr lang="en-US" sz="2400" dirty="0" err="1" smtClean="0">
+              <a:rPr lang="en-US" sz="2400" dirty="0" smtClean="0">
                 <a:solidFill>
                   <a:srgbClr val="000000"/>
                 </a:solidFill>
@@ -15433,7 +15434,29 @@
                 <a:ea typeface="Lucida Sans Unicode" pitchFamily="2"/>
                 <a:cs typeface="Times New Roman" pitchFamily="18" charset="0"/>
               </a:rPr>
-              <a:t>=1.5 </a:t>
+              <a:t>=1.</a:t>
+            </a:r>
+            <a:r>
+              <a:rPr lang="en-US" dirty="0" smtClean="0">
+                <a:solidFill>
+                  <a:srgbClr val="000000"/>
+                </a:solidFill>
+                <a:latin typeface="Times New Roman" pitchFamily="18" charset="0"/>
+                <a:ea typeface="Lucida Sans Unicode" pitchFamily="2"/>
+                <a:cs typeface="Times New Roman" pitchFamily="18" charset="0"/>
+              </a:rPr>
+              <a:t>2</a:t>
+            </a:r>
+            <a:r>
+              <a:rPr lang="ru-RU" dirty="0" smtClean="0">
+                <a:solidFill>
+                  <a:srgbClr val="000000"/>
+                </a:solidFill>
+                <a:latin typeface="Times New Roman" pitchFamily="18" charset="0"/>
+                <a:ea typeface="Lucida Sans Unicode" pitchFamily="2"/>
+                <a:cs typeface="Times New Roman" pitchFamily="18" charset="0"/>
+              </a:rPr>
+              <a:t>– </a:t>
             </a:r>
             <a:r>
               <a:rPr lang="ru-RU" dirty="0">
@@ -15444,7 +15467,7 @@
                 <a:ea typeface="Lucida Sans Unicode" pitchFamily="2"/>
                 <a:cs typeface="Times New Roman" pitchFamily="18" charset="0"/>
               </a:rPr>
-              <a:t>– коэффициент сопротивления</a:t>
+              <a:t>коэффициент сопротивления</a:t>
             </a:r>
           </a:p>
           <a:p>
@@ -15452,7 +15475,7 @@
               <a:defRPr sz="1800"/>
             </a:pPr>
             <a:r>
-              <a:rPr lang="ru-RU" sz="2400" dirty="0">
+              <a:rPr lang="ru-RU" sz="2400" dirty="0" smtClean="0">
                 <a:solidFill>
                   <a:srgbClr val="000000"/>
                 </a:solidFill>
@@ -15463,6 +15486,39 @@
               <a:t>ρ</a:t>
             </a:r>
             <a:r>
+              <a:rPr lang="ru-RU" dirty="0" smtClean="0">
+                <a:solidFill>
+                  <a:srgbClr val="000000"/>
+                </a:solidFill>
+                <a:latin typeface="Times New Roman" pitchFamily="18" charset="0"/>
+                <a:ea typeface="Lucida Sans Unicode" pitchFamily="2"/>
+                <a:cs typeface="Times New Roman" pitchFamily="18" charset="0"/>
+              </a:rPr>
+              <a:t>=1.2</a:t>
+            </a:r>
+            <a:r>
+              <a:rPr lang="en-US" dirty="0" smtClean="0">
+                <a:solidFill>
+                  <a:srgbClr val="000000"/>
+                </a:solidFill>
+                <a:latin typeface="Times New Roman" pitchFamily="18" charset="0"/>
+                <a:ea typeface="Lucida Sans Unicode" pitchFamily="2"/>
+                <a:cs typeface="Times New Roman" pitchFamily="18" charset="0"/>
+              </a:rPr>
+              <a:t>754</a:t>
+            </a:r>
+            <a:r>
+              <a:rPr lang="ru-RU" dirty="0" smtClean="0">
+                <a:solidFill>
+                  <a:srgbClr val="000000"/>
+                </a:solidFill>
+                <a:latin typeface="Times New Roman" pitchFamily="18" charset="0"/>
+                <a:ea typeface="Lucida Sans Unicode" pitchFamily="2"/>
+                <a:cs typeface="Times New Roman" pitchFamily="18" charset="0"/>
+              </a:rPr>
+              <a:t> </a:t>
+            </a:r>
+            <a:r>
               <a:rPr lang="ru-RU" dirty="0">
                 <a:solidFill>
                   <a:srgbClr val="000000"/>
@@ -15471,7 +15527,7 @@
                 <a:ea typeface="Lucida Sans Unicode" pitchFamily="2"/>
                 <a:cs typeface="Times New Roman" pitchFamily="18" charset="0"/>
               </a:rPr>
-              <a:t>=1.25 кг/м3 – плотность воздуха</a:t>
+              <a:t>кг/м3 – плотность воздуха</a:t>
             </a:r>
           </a:p>
           <a:p>
@@ -15517,7 +15573,7 @@
               <a:defRPr sz="1800"/>
             </a:pPr>
             <a:r>
-              <a:rPr lang="ru-RU" sz="2400" b="1" dirty="0">
+              <a:rPr lang="ru-RU" sz="2400" dirty="0" smtClean="0">
                 <a:solidFill>
                   <a:srgbClr val="000000"/>
                 </a:solidFill>
@@ -15528,6 +15584,39 @@
               <a:t>r</a:t>
             </a:r>
             <a:r>
+              <a:rPr lang="ru-RU" dirty="0" smtClean="0">
+                <a:solidFill>
+                  <a:srgbClr val="000000"/>
+                </a:solidFill>
+                <a:latin typeface="Times New Roman" pitchFamily="18" charset="0"/>
+                <a:ea typeface="Lucida Sans Unicode" pitchFamily="2"/>
+                <a:cs typeface="Times New Roman" pitchFamily="18" charset="0"/>
+              </a:rPr>
+              <a:t>= 1</a:t>
+            </a:r>
+            <a:r>
+              <a:rPr lang="en-US" dirty="0" smtClean="0">
+                <a:solidFill>
+                  <a:srgbClr val="000000"/>
+                </a:solidFill>
+                <a:latin typeface="Times New Roman" pitchFamily="18" charset="0"/>
+                <a:ea typeface="Lucida Sans Unicode" pitchFamily="2"/>
+                <a:cs typeface="Times New Roman" pitchFamily="18" charset="0"/>
+              </a:rPr>
+              <a:t>4</a:t>
+            </a:r>
+            <a:r>
+              <a:rPr lang="ru-RU" dirty="0" smtClean="0">
+                <a:solidFill>
+                  <a:srgbClr val="000000"/>
+                </a:solidFill>
+                <a:latin typeface="Times New Roman" pitchFamily="18" charset="0"/>
+                <a:ea typeface="Lucida Sans Unicode" pitchFamily="2"/>
+                <a:cs typeface="Times New Roman" pitchFamily="18" charset="0"/>
+              </a:rPr>
+              <a:t>.9 </a:t>
+            </a:r>
+            <a:r>
               <a:rPr lang="ru-RU" dirty="0">
                 <a:solidFill>
                   <a:srgbClr val="000000"/>
@@ -15536,29 +15625,7 @@
                 <a:ea typeface="Lucida Sans Unicode" pitchFamily="2"/>
                 <a:cs typeface="Times New Roman" pitchFamily="18" charset="0"/>
               </a:rPr>
-              <a:t>=</a:t>
-            </a:r>
-            <a:r>
-              <a:rPr lang="ru-RU" b="1" dirty="0">
-                <a:solidFill>
-                  <a:srgbClr val="000000"/>
-                </a:solidFill>
-                <a:latin typeface="Times New Roman" pitchFamily="18" charset="0"/>
-                <a:ea typeface="Lucida Sans Unicode" pitchFamily="2"/>
-                <a:cs typeface="Times New Roman" pitchFamily="18" charset="0"/>
-              </a:rPr>
-              <a:t>13.5</a:t>
-            </a:r>
-            <a:r>
-              <a:rPr lang="ru-RU" dirty="0">
-                <a:solidFill>
-                  <a:srgbClr val="000000"/>
-                </a:solidFill>
-                <a:latin typeface="Times New Roman" pitchFamily="18" charset="0"/>
-                <a:ea typeface="Lucida Sans Unicode" pitchFamily="2"/>
-                <a:cs typeface="Times New Roman" pitchFamily="18" charset="0"/>
-              </a:rPr>
-              <a:t> см – радиус основания </a:t>
+              <a:t>см – радиус основания </a:t>
             </a:r>
             <a:r>
               <a:rPr lang="ru-RU" dirty="0" smtClean="0">
@@ -15569,8 +15636,54 @@
                 <a:ea typeface="Lucida Sans Unicode" pitchFamily="2"/>
                 <a:cs typeface="Times New Roman" pitchFamily="18" charset="0"/>
               </a:rPr>
-              <a:t>парашюта.</a:t>
-            </a:r>
+              <a:t>парашюта</a:t>
+            </a:r>
+            <a:r>
+              <a:rPr lang="ru-RU" dirty="0" smtClean="0">
+                <a:solidFill>
+                  <a:srgbClr val="000000"/>
+                </a:solidFill>
+                <a:latin typeface="Times New Roman" pitchFamily="18" charset="0"/>
+                <a:ea typeface="Lucida Sans Unicode" pitchFamily="2"/>
+                <a:cs typeface="Times New Roman" pitchFamily="18" charset="0"/>
+              </a:rPr>
+              <a:t>.</a:t>
+            </a:r>
+          </a:p>
+          <a:p>
+            <a:pPr lvl="0">
+              <a:defRPr sz="1800"/>
+            </a:pPr>
+            <a:r>
+              <a:rPr lang="en-US" dirty="0" smtClean="0">
+                <a:solidFill>
+                  <a:srgbClr val="000000"/>
+                </a:solidFill>
+                <a:latin typeface="Times New Roman" pitchFamily="18" charset="0"/>
+                <a:ea typeface="Lucida Sans Unicode" pitchFamily="2"/>
+                <a:cs typeface="Times New Roman" pitchFamily="18" charset="0"/>
+              </a:rPr>
+              <a:t>D=</a:t>
+            </a:r>
+            <a:r>
+              <a:rPr lang="ru-RU" dirty="0" smtClean="0">
+                <a:solidFill>
+                  <a:srgbClr val="000000"/>
+                </a:solidFill>
+                <a:latin typeface="Times New Roman" pitchFamily="18" charset="0"/>
+                <a:ea typeface="Lucida Sans Unicode" pitchFamily="2"/>
+                <a:cs typeface="Times New Roman" pitchFamily="18" charset="0"/>
+              </a:rPr>
+              <a:t> 29.8см – диаметр парашюта.</a:t>
+            </a:r>
+            <a:endParaRPr lang="ru-RU" dirty="0" smtClean="0">
+              <a:solidFill>
+                <a:srgbClr val="000000"/>
+              </a:solidFill>
+              <a:latin typeface="Times New Roman" pitchFamily="18" charset="0"/>
+              <a:ea typeface="Lucida Sans Unicode" pitchFamily="2"/>
+              <a:cs typeface="Times New Roman" pitchFamily="18" charset="0"/>
+            </a:endParaRPr>
           </a:p>
           <a:p>
             <a:pPr lvl="0">
@@ -15720,6 +15833,291 @@
 </p:sld>
 </file>
 
+<file path=ppt/slides/slide11.xml><?xml version="1.0" encoding="utf-8"?>
+<p:sld xmlns:a="http://schemas.openxmlformats.org/drawingml/2006/main" xmlns:r="http://schemas.openxmlformats.org/officeDocument/2006/relationships" xmlns:p="http://schemas.openxmlformats.org/presentationml/2006/main">
+  <p:cSld>
+    <p:spTree>
+      <p:nvGrpSpPr>
+        <p:cNvPr id="1" name=""/>
+        <p:cNvGrpSpPr/>
+        <p:nvPr/>
+      </p:nvGrpSpPr>
+      <p:grpSpPr>
+        <a:xfrm>
+          <a:off x="0" y="0"/>
+          <a:ext cx="0" cy="0"/>
+          <a:chOff x="0" y="0"/>
+          <a:chExt cx="0" cy="0"/>
+        </a:xfrm>
+      </p:grpSpPr>
+      <p:sp>
+        <p:nvSpPr>
+          <p:cNvPr id="2" name="Заголовок 1"/>
+          <p:cNvSpPr>
+            <a:spLocks noGrp="1"/>
+          </p:cNvSpPr>
+          <p:nvPr>
+            <p:ph type="title"/>
+          </p:nvPr>
+        </p:nvSpPr>
+        <p:spPr/>
+        <p:txBody>
+          <a:bodyPr>
+            <a:normAutofit fontScale="90000"/>
+          </a:bodyPr>
+          <a:lstStyle/>
+          <a:p>
+            <a:r>
+              <a:rPr lang="ru-RU" dirty="0" smtClean="0"/>
+              <a:t>Датчик пыли</a:t>
+            </a:r>
+            <a:r>
+              <a:rPr lang="en-US" dirty="0" smtClean="0"/>
+              <a:t> - </a:t>
+            </a:r>
+            <a:r>
+              <a:rPr lang="ru-RU" dirty="0" smtClean="0"/>
+              <a:t> </a:t>
+            </a:r>
+            <a:r>
+              <a:rPr lang="en-US" dirty="0">
+                <a:solidFill>
+                  <a:srgbClr val="000000"/>
+                </a:solidFill>
+                <a:latin typeface="Times New Roman" pitchFamily="18" charset="0"/>
+                <a:cs typeface="Times New Roman" pitchFamily="18" charset="0"/>
+              </a:rPr>
+              <a:t>GP2Y1010AU0F</a:t>
+            </a:r>
+            <a:br>
+              <a:rPr lang="en-US" dirty="0">
+                <a:solidFill>
+                  <a:srgbClr val="000000"/>
+                </a:solidFill>
+                <a:latin typeface="Times New Roman" pitchFamily="18" charset="0"/>
+                <a:cs typeface="Times New Roman" pitchFamily="18" charset="0"/>
+              </a:rPr>
+            </a:br>
+            <a:endParaRPr lang="ru-RU" dirty="0"/>
+          </a:p>
+        </p:txBody>
+      </p:sp>
+      <p:pic>
+        <p:nvPicPr>
+          <p:cNvPr id="1026" name="Picture 2"/>
+          <p:cNvPicPr>
+            <a:picLocks noChangeAspect="1" noChangeArrowheads="1"/>
+          </p:cNvPicPr>
+          <p:nvPr/>
+        </p:nvPicPr>
+        <p:blipFill>
+          <a:blip r:embed="rId2">
+            <a:extLst>
+              <a:ext uri="{28A0092B-C50C-407E-A947-70E740481C1C}">
+                <a14:useLocalDpi xmlns:a14="http://schemas.microsoft.com/office/drawing/2010/main" val="0"/>
+              </a:ext>
+            </a:extLst>
+          </a:blip>
+          <a:srcRect/>
+          <a:stretch>
+            <a:fillRect/>
+          </a:stretch>
+        </p:blipFill>
+        <p:spPr bwMode="auto">
+          <a:xfrm>
+            <a:off x="183406" y="1330270"/>
+            <a:ext cx="3347864" cy="2864818"/>
+          </a:xfrm>
+          <a:prstGeom prst="rect">
+            <a:avLst/>
+          </a:prstGeom>
+          <a:noFill/>
+          <a:ln>
+            <a:noFill/>
+          </a:ln>
+          <a:extLst>
+            <a:ext uri="{909E8E84-426E-40DD-AFC4-6F175D3DCCD1}">
+              <a14:hiddenFill xmlns:a14="http://schemas.microsoft.com/office/drawing/2010/main">
+                <a:solidFill>
+                  <a:schemeClr val="accent1"/>
+                </a:solidFill>
+              </a14:hiddenFill>
+            </a:ext>
+            <a:ext uri="{91240B29-F687-4F45-9708-019B960494DF}">
+              <a14:hiddenLine xmlns:a14="http://schemas.microsoft.com/office/drawing/2010/main" w="9525">
+                <a:solidFill>
+                  <a:schemeClr val="tx1"/>
+                </a:solidFill>
+                <a:miter lim="800000"/>
+                <a:headEnd/>
+                <a:tailEnd/>
+              </a14:hiddenLine>
+            </a:ext>
+          </a:extLst>
+        </p:spPr>
+      </p:pic>
+      <p:sp>
+        <p:nvSpPr>
+          <p:cNvPr id="3" name="TextBox 2"/>
+          <p:cNvSpPr txBox="1"/>
+          <p:nvPr/>
+        </p:nvSpPr>
+        <p:spPr>
+          <a:xfrm>
+            <a:off x="3563888" y="1193019"/>
+            <a:ext cx="5328592" cy="3139321"/>
+          </a:xfrm>
+          <a:prstGeom prst="rect">
+            <a:avLst/>
+          </a:prstGeom>
+          <a:noFill/>
+        </p:spPr>
+        <p:txBody>
+          <a:bodyPr wrap="square" rtlCol="0">
+            <a:spAutoFit/>
+          </a:bodyPr>
+          <a:lstStyle/>
+          <a:p>
+            <a:r>
+              <a:rPr lang="ru-RU" b="1" i="1" dirty="0"/>
+              <a:t>Оптический датчик пыли </a:t>
+            </a:r>
+            <a:r>
+              <a:rPr lang="ru-RU" b="1" i="1" dirty="0" err="1"/>
+              <a:t>Sharp</a:t>
+            </a:r>
+            <a:r>
+              <a:rPr lang="ru-RU" b="1" i="1" dirty="0"/>
+              <a:t> GP2Y1010AU0F эффективен в обнаружении очень мелких частиц, и обычно используется в системах очистки воздуха. Инфракрасный диод и фототранзистор расположены по диагонали и способствуют обнаружению отраженного света частиц пыли в воздухе. Датчик имеет очень низкое энергопотребление (20 мА максимально, 11 мА среднее). Выходной сигнал датчика представляет собой аналоговое напряжение пропорциональное измеренной плотности пыли.</a:t>
+            </a:r>
+            <a:endParaRPr lang="ru-RU" b="1" i="1" dirty="0"/>
+          </a:p>
+        </p:txBody>
+      </p:sp>
+      <p:sp>
+        <p:nvSpPr>
+          <p:cNvPr id="4" name="TextBox 3"/>
+          <p:cNvSpPr txBox="1"/>
+          <p:nvPr/>
+        </p:nvSpPr>
+        <p:spPr>
+          <a:xfrm>
+            <a:off x="107504" y="4332340"/>
+            <a:ext cx="5679760" cy="2308324"/>
+          </a:xfrm>
+          <a:prstGeom prst="rect">
+            <a:avLst/>
+          </a:prstGeom>
+          <a:noFill/>
+        </p:spPr>
+        <p:txBody>
+          <a:bodyPr wrap="none" rtlCol="0">
+            <a:spAutoFit/>
+          </a:bodyPr>
+          <a:lstStyle/>
+          <a:p>
+            <a:r>
+              <a:rPr lang="ru-RU" b="1" i="1" dirty="0"/>
+              <a:t>Напряжение питания: 5-7V</a:t>
+            </a:r>
+            <a:r>
+              <a:rPr lang="ru-RU" b="1" i="1" dirty="0"/>
+              <a:t/>
+            </a:r>
+            <a:br>
+              <a:rPr lang="ru-RU" b="1" i="1" dirty="0"/>
+            </a:br>
+            <a:r>
+              <a:rPr lang="ru-RU" b="1" i="1" dirty="0"/>
+              <a:t>Рабочая температура: -10-65 ° C</a:t>
+            </a:r>
+            <a:r>
+              <a:rPr lang="ru-RU" b="1" i="1" dirty="0"/>
+              <a:t/>
+            </a:r>
+            <a:br>
+              <a:rPr lang="ru-RU" b="1" i="1" dirty="0"/>
+            </a:br>
+            <a:r>
+              <a:rPr lang="ru-RU" b="1" i="1" dirty="0"/>
+              <a:t>Ток потребления: 20 мА </a:t>
+            </a:r>
+            <a:r>
+              <a:rPr lang="ru-RU" b="1" i="1" dirty="0" err="1"/>
+              <a:t>max</a:t>
+            </a:r>
+            <a:r>
+              <a:rPr lang="ru-RU" b="1" i="1" dirty="0"/>
+              <a:t/>
+            </a:r>
+            <a:br>
+              <a:rPr lang="ru-RU" b="1" i="1" dirty="0"/>
+            </a:br>
+            <a:r>
+              <a:rPr lang="ru-RU" b="1" i="1" dirty="0"/>
+              <a:t>Размер минимальной обнаруживаемой частицы: 0,8 м</a:t>
+            </a:r>
+            <a:r>
+              <a:rPr lang="ru-RU" b="1" i="1" dirty="0"/>
+              <a:t/>
+            </a:r>
+            <a:br>
+              <a:rPr lang="ru-RU" b="1" i="1" dirty="0"/>
+            </a:br>
+            <a:r>
+              <a:rPr lang="ru-RU" b="1" i="1" dirty="0"/>
+              <a:t>Чувствительность: 0.5V / (0,1 мг / м 3)</a:t>
+            </a:r>
+            <a:r>
+              <a:rPr lang="ru-RU" b="1" i="1" dirty="0"/>
+              <a:t/>
+            </a:r>
+            <a:br>
+              <a:rPr lang="ru-RU" b="1" i="1" dirty="0"/>
+            </a:br>
+            <a:r>
+              <a:rPr lang="ru-RU" b="1" i="1" dirty="0"/>
+              <a:t>Напряжение при чистом воздухе: 0.9V тип.</a:t>
+            </a:r>
+            <a:r>
+              <a:rPr lang="ru-RU" b="1" i="1" dirty="0"/>
+              <a:t/>
+            </a:r>
+            <a:br>
+              <a:rPr lang="ru-RU" b="1" i="1" dirty="0"/>
+            </a:br>
+            <a:r>
+              <a:rPr lang="ru-RU" b="1" i="1" dirty="0"/>
+              <a:t>Температура хранения: -20 ~ 80 ℃</a:t>
+            </a:r>
+            <a:r>
+              <a:rPr lang="ru-RU" b="1" i="1" dirty="0"/>
+              <a:t/>
+            </a:r>
+            <a:br>
+              <a:rPr lang="ru-RU" b="1" i="1" dirty="0"/>
+            </a:br>
+            <a:r>
+              <a:rPr lang="ru-RU" b="1" i="1" dirty="0"/>
+              <a:t>Размер: 46мм × 30мм × 17.6mm</a:t>
+            </a:r>
+            <a:endParaRPr lang="ru-RU" b="1" i="1" dirty="0"/>
+          </a:p>
+        </p:txBody>
+      </p:sp>
+    </p:spTree>
+    <p:extLst>
+      <p:ext uri="{BB962C8B-B14F-4D97-AF65-F5344CB8AC3E}">
+        <p14:creationId xmlns:p14="http://schemas.microsoft.com/office/powerpoint/2010/main" val="3358369297"/>
+      </p:ext>
+    </p:extLst>
+  </p:cSld>
+  <p:clrMapOvr>
+    <a:masterClrMapping/>
+  </p:clrMapOvr>
+</p:sld>
+</file>
+
 <file path=ppt/slides/slide2.xml><?xml version="1.0" encoding="utf-8"?>
 <p:sld xmlns:a="http://schemas.openxmlformats.org/drawingml/2006/main" xmlns:r="http://schemas.openxmlformats.org/officeDocument/2006/relationships" xmlns:p="http://schemas.openxmlformats.org/presentationml/2006/main">
   <p:cSld>
@@ -15821,17 +16219,7 @@
                 <a:latin typeface="Times New Roman" pitchFamily="18" charset="0"/>
                 <a:cs typeface="Times New Roman" pitchFamily="18" charset="0"/>
               </a:rPr>
-              <a:t>Тех. </a:t>
-            </a:r>
-            <a:r>
-              <a:rPr lang="ru-RU" b="1" dirty="0" smtClean="0">
-                <a:solidFill>
-                  <a:srgbClr val="C00000"/>
-                </a:solidFill>
-                <a:latin typeface="Times New Roman" pitchFamily="18" charset="0"/>
-                <a:cs typeface="Times New Roman" pitchFamily="18" charset="0"/>
-              </a:rPr>
-              <a:t>Консультант</a:t>
+              <a:t>Тех. Консультант</a:t>
             </a:r>
             <a:endParaRPr lang="en-US" b="1" dirty="0" smtClean="0">
               <a:solidFill>
@@ -15873,13 +16261,6 @@
               </a:rPr>
               <a:t> Маратович</a:t>
             </a:r>
-            <a:endParaRPr lang="ru-RU" dirty="0" smtClean="0">
-              <a:solidFill>
-                <a:srgbClr val="C00000"/>
-              </a:solidFill>
-              <a:latin typeface="Times New Roman" pitchFamily="18" charset="0"/>
-              <a:cs typeface="Times New Roman" pitchFamily="18" charset="0"/>
-            </a:endParaRPr>
           </a:p>
         </p:txBody>
       </p:sp>
@@ -16021,13 +16402,6 @@
               </a:rPr>
               <a:t> Егор</a:t>
             </a:r>
-            <a:endParaRPr lang="ru-RU" dirty="0" smtClean="0">
-              <a:solidFill>
-                <a:srgbClr val="C00000"/>
-              </a:solidFill>
-              <a:latin typeface="Times New Roman" pitchFamily="18" charset="0"/>
-              <a:cs typeface="Times New Roman" pitchFamily="18" charset="0"/>
-            </a:endParaRPr>
           </a:p>
         </p:txBody>
       </p:sp>
@@ -16039,7 +16413,7 @@
         </p:nvSpPr>
         <p:spPr>
           <a:xfrm>
-            <a:off x="3279500" y="3987179"/>
+            <a:off x="3328442" y="3987179"/>
             <a:ext cx="2484824" cy="1393696"/>
           </a:xfrm>
           <a:prstGeom prst="rect">
@@ -16075,15 +16449,8 @@
                 <a:latin typeface="Times New Roman" pitchFamily="18" charset="0"/>
                 <a:cs typeface="Times New Roman" pitchFamily="18" charset="0"/>
               </a:rPr>
-              <a:t>Командир</a:t>
-            </a:r>
-            <a:endParaRPr lang="ru-RU" b="1" dirty="0" smtClean="0">
-              <a:solidFill>
-                <a:srgbClr val="C00000"/>
-              </a:solidFill>
-              <a:latin typeface="Times New Roman" pitchFamily="18" charset="0"/>
-              <a:cs typeface="Times New Roman" pitchFamily="18" charset="0"/>
-            </a:endParaRPr>
+              <a:t>Капитан команды</a:t>
+            </a:r>
           </a:p>
           <a:p>
             <a:pPr algn="ctr"/>
@@ -16095,15 +16462,18 @@
                 <a:latin typeface="Times New Roman" pitchFamily="18" charset="0"/>
                 <a:cs typeface="Times New Roman" pitchFamily="18" charset="0"/>
               </a:rPr>
-              <a:t>Попов Владимир</a:t>
-            </a:r>
-            <a:endParaRPr lang="ru-RU" dirty="0" smtClean="0">
-              <a:solidFill>
-                <a:srgbClr val="C00000"/>
-              </a:solidFill>
-              <a:latin typeface="Times New Roman" pitchFamily="18" charset="0"/>
-              <a:cs typeface="Times New Roman" pitchFamily="18" charset="0"/>
-            </a:endParaRPr>
+              <a:t>Попов </a:t>
+            </a:r>
+            <a:r>
+              <a:rPr lang="ru-RU" dirty="0" smtClean="0">
+                <a:solidFill>
+                  <a:srgbClr val="C00000"/>
+                </a:solidFill>
+                <a:latin typeface="Times New Roman" pitchFamily="18" charset="0"/>
+                <a:cs typeface="Times New Roman" pitchFamily="18" charset="0"/>
+              </a:rPr>
+              <a:t>Владимир</a:t>
+            </a:r>
           </a:p>
         </p:txBody>
       </p:sp>
@@ -16179,13 +16549,6 @@
               </a:rPr>
               <a:t>Николаевич</a:t>
             </a:r>
-            <a:endParaRPr lang="ru-RU" dirty="0" smtClean="0">
-              <a:solidFill>
-                <a:srgbClr val="C00000"/>
-              </a:solidFill>
-              <a:latin typeface="Times New Roman" pitchFamily="18" charset="0"/>
-              <a:cs typeface="Times New Roman" pitchFamily="18" charset="0"/>
-            </a:endParaRPr>
           </a:p>
         </p:txBody>
       </p:sp>
@@ -16233,7 +16596,17 @@
                 <a:latin typeface="Times New Roman" pitchFamily="18" charset="0"/>
                 <a:cs typeface="Times New Roman" pitchFamily="18" charset="0"/>
               </a:rPr>
-              <a:t>Программист-Техни</a:t>
+              <a:t>3</a:t>
+            </a:r>
+            <a:r>
+              <a:rPr lang="en-US" b="1" dirty="0" smtClean="0">
+                <a:solidFill>
+                  <a:srgbClr val="C00000"/>
+                </a:solidFill>
+                <a:latin typeface="Times New Roman" pitchFamily="18" charset="0"/>
+                <a:cs typeface="Times New Roman" pitchFamily="18" charset="0"/>
+              </a:rPr>
+              <a:t>d</a:t>
             </a:r>
             <a:r>
               <a:rPr lang="ru-RU" b="1" dirty="0" smtClean="0">
@@ -16243,8 +16616,15 @@
                 <a:latin typeface="Times New Roman" pitchFamily="18" charset="0"/>
                 <a:cs typeface="Times New Roman" pitchFamily="18" charset="0"/>
               </a:rPr>
-              <a:t>к</a:t>
-            </a:r>
+              <a:t>моделист-Техник</a:t>
+            </a:r>
+            <a:endParaRPr lang="ru-RU" b="1" dirty="0" smtClean="0">
+              <a:solidFill>
+                <a:srgbClr val="C00000"/>
+              </a:solidFill>
+              <a:latin typeface="Times New Roman" pitchFamily="18" charset="0"/>
+              <a:cs typeface="Times New Roman" pitchFamily="18" charset="0"/>
+            </a:endParaRPr>
           </a:p>
           <a:p>
             <a:pPr algn="ctr"/>
@@ -16314,13 +16694,6 @@
               </a:rPr>
               <a:t>Техник</a:t>
             </a:r>
-            <a:endParaRPr lang="ru-RU" b="1" dirty="0" smtClean="0">
-              <a:solidFill>
-                <a:srgbClr val="C00000"/>
-              </a:solidFill>
-              <a:latin typeface="Times New Roman" pitchFamily="18" charset="0"/>
-              <a:cs typeface="Times New Roman" pitchFamily="18" charset="0"/>
-            </a:endParaRPr>
           </a:p>
           <a:p>
             <a:pPr algn="ctr"/>
@@ -16334,13 +16707,6 @@
               </a:rPr>
               <a:t>Николаев Ян</a:t>
             </a:r>
-            <a:endParaRPr lang="ru-RU" dirty="0" smtClean="0">
-              <a:solidFill>
-                <a:srgbClr val="C00000"/>
-              </a:solidFill>
-              <a:latin typeface="Times New Roman" pitchFamily="18" charset="0"/>
-              <a:cs typeface="Times New Roman" pitchFamily="18" charset="0"/>
-            </a:endParaRPr>
           </a:p>
         </p:txBody>
       </p:sp>
@@ -16829,13 +17195,6 @@
               </a:rPr>
               <a:t>Измерение температуры</a:t>
             </a:r>
-            <a:endParaRPr lang="ru-RU" sz="2400" b="1" dirty="0" smtClean="0">
-              <a:solidFill>
-                <a:srgbClr val="C00000"/>
-              </a:solidFill>
-              <a:latin typeface="Times New Roman" pitchFamily="18" charset="0"/>
-              <a:cs typeface="Times New Roman" pitchFamily="18" charset="0"/>
-            </a:endParaRPr>
           </a:p>
           <a:p>
             <a:pPr marL="342900" indent="-342900">
@@ -16850,25 +17209,8 @@
                 <a:latin typeface="Times New Roman" pitchFamily="18" charset="0"/>
                 <a:cs typeface="Times New Roman" pitchFamily="18" charset="0"/>
               </a:rPr>
-              <a:t>Измерение количества пыли</a:t>
-            </a:r>
-            <a:r>
-              <a:rPr lang="ru-RU" sz="2400" b="1" dirty="0" smtClean="0">
-                <a:solidFill>
-                  <a:srgbClr val="C00000"/>
-                </a:solidFill>
-                <a:latin typeface="Times New Roman" pitchFamily="18" charset="0"/>
-                <a:cs typeface="Times New Roman" pitchFamily="18" charset="0"/>
-              </a:rPr>
-              <a:t> </a:t>
-            </a:r>
-            <a:endParaRPr lang="ru-RU" sz="2400" b="1" dirty="0" smtClean="0">
-              <a:solidFill>
-                <a:srgbClr val="C00000"/>
-              </a:solidFill>
-              <a:latin typeface="Times New Roman" pitchFamily="18" charset="0"/>
-              <a:cs typeface="Times New Roman" pitchFamily="18" charset="0"/>
-            </a:endParaRPr>
+              <a:t>Измерение количества пыли </a:t>
+            </a:r>
           </a:p>
           <a:p>
             <a:r>
@@ -17024,13 +17366,6 @@
               </a:rPr>
               <a:t>.</a:t>
             </a:r>
-            <a:endParaRPr lang="ru-RU" sz="2800" dirty="0" smtClean="0">
-              <a:solidFill>
-                <a:srgbClr val="FF0000"/>
-              </a:solidFill>
-              <a:latin typeface="Times New Roman" pitchFamily="18" charset="0"/>
-              <a:cs typeface="Times New Roman" pitchFamily="18" charset="0"/>
-            </a:endParaRPr>
           </a:p>
           <a:p>
             <a:pPr algn="l"/>
@@ -17042,17 +17377,7 @@
                 <a:latin typeface="Times New Roman" pitchFamily="18" charset="0"/>
                 <a:cs typeface="Times New Roman" pitchFamily="18" charset="0"/>
               </a:rPr>
-              <a:t>Наш аппарат </a:t>
-            </a:r>
-            <a:r>
-              <a:rPr lang="ru-RU" sz="2800" dirty="0" smtClean="0">
-                <a:solidFill>
-                  <a:srgbClr val="FF0000"/>
-                </a:solidFill>
-                <a:latin typeface="Times New Roman" pitchFamily="18" charset="0"/>
-                <a:cs typeface="Times New Roman" pitchFamily="18" charset="0"/>
-              </a:rPr>
-              <a:t>измеряет количество пыли в местности.</a:t>
+              <a:t>Наш аппарат измеряет количество пыли в местности.</a:t>
             </a:r>
           </a:p>
           <a:p>
@@ -17347,7 +17672,7 @@
           <p:nvPr>
             <p:extLst>
               <p:ext uri="{D42A27DB-BD31-4B8C-83A1-F6EECF244321}">
-                <p14:modId xmlns:p14="http://schemas.microsoft.com/office/powerpoint/2010/main" val="1746985010"/>
+                <p14:modId xmlns:p14="http://schemas.microsoft.com/office/powerpoint/2010/main" val="3578135070"/>
               </p:ext>
             </p:extLst>
           </p:nvPr>
@@ -17706,7 +18031,7 @@
                           <a:latin typeface="Times New Roman" pitchFamily="18" charset="0"/>
                           <a:cs typeface="Times New Roman" pitchFamily="18" charset="0"/>
                         </a:rPr>
-                        <a:t>GP2Y1010AY0F</a:t>
+                        <a:t>GP2Y1010AU0F</a:t>
                       </a:r>
                       <a:endParaRPr lang="en-US" sz="2400" b="0" i="0" u="none" strike="noStrike" dirty="0">
                         <a:solidFill>
